--- a/_PowerPoints/1st Semester/Unit 1 Linear Relations/Algebra3_Day_010 1.6 Solving Absolute Value Inequalities.pptx
+++ b/_PowerPoints/1st Semester/Unit 1 Linear Relations/Algebra3_Day_010 1.6 Solving Absolute Value Inequalities.pptx
@@ -7,13 +7,14 @@
   <p:sldIdLst>
     <p:sldId id="257" r:id="rId2"/>
     <p:sldId id="261" r:id="rId3"/>
-    <p:sldId id="263" r:id="rId4"/>
-    <p:sldId id="258" r:id="rId5"/>
-    <p:sldId id="265" r:id="rId6"/>
-    <p:sldId id="267" r:id="rId7"/>
-    <p:sldId id="270" r:id="rId8"/>
-    <p:sldId id="268" r:id="rId9"/>
-    <p:sldId id="269" r:id="rId10"/>
+    <p:sldId id="271" r:id="rId4"/>
+    <p:sldId id="263" r:id="rId5"/>
+    <p:sldId id="258" r:id="rId6"/>
+    <p:sldId id="265" r:id="rId7"/>
+    <p:sldId id="267" r:id="rId8"/>
+    <p:sldId id="270" r:id="rId9"/>
+    <p:sldId id="268" r:id="rId10"/>
+    <p:sldId id="269" r:id="rId11"/>
   </p:sldIdLst>
   <p:sldSz cx="12192000" cy="6858000"/>
   <p:notesSz cx="6858000" cy="9144000"/>
@@ -290,7 +291,7 @@
             <a:fld id="{87DE6118-2437-4B30-8E3C-4D2BE6020583}" type="datetimeFigureOut">
               <a:rPr lang="en-US" dirty="0"/>
               <a:pPr/>
-              <a:t>9/18/2017</a:t>
+              <a:t>9/24/2018</a:t>
             </a:fld>
             <a:endParaRPr lang="en-US" dirty="0"/>
           </a:p>
@@ -616,7 +617,7 @@
           <a:p>
             <a:fld id="{87DE6118-2437-4B30-8E3C-4D2BE6020583}" type="datetimeFigureOut">
               <a:rPr lang="en-US" dirty="0"/>
-              <a:t>9/18/2017</a:t>
+              <a:t>9/24/2018</a:t>
             </a:fld>
             <a:endParaRPr lang="en-US" dirty="0"/>
           </a:p>
@@ -791,7 +792,7 @@
           <a:p>
             <a:fld id="{87DE6118-2437-4B30-8E3C-4D2BE6020583}" type="datetimeFigureOut">
               <a:rPr lang="en-US" dirty="0"/>
-              <a:t>9/18/2017</a:t>
+              <a:t>9/24/2018</a:t>
             </a:fld>
             <a:endParaRPr lang="en-US" dirty="0"/>
           </a:p>
@@ -956,7 +957,7 @@
           <a:p>
             <a:fld id="{87DE6118-2437-4B30-8E3C-4D2BE6020583}" type="datetimeFigureOut">
               <a:rPr lang="en-US" dirty="0"/>
-              <a:t>9/18/2017</a:t>
+              <a:t>9/24/2018</a:t>
             </a:fld>
             <a:endParaRPr lang="en-US" dirty="0"/>
           </a:p>
@@ -1229,7 +1230,7 @@
             <a:fld id="{87DE6118-2437-4B30-8E3C-4D2BE6020583}" type="datetimeFigureOut">
               <a:rPr lang="en-US" dirty="0"/>
               <a:pPr/>
-              <a:t>9/18/2017</a:t>
+              <a:t>9/24/2018</a:t>
             </a:fld>
             <a:endParaRPr lang="en-US" dirty="0"/>
           </a:p>
@@ -1619,7 +1620,7 @@
           <a:p>
             <a:fld id="{87DE6118-2437-4B30-8E3C-4D2BE6020583}" type="datetimeFigureOut">
               <a:rPr lang="en-US" dirty="0"/>
-              <a:t>9/18/2017</a:t>
+              <a:t>9/24/2018</a:t>
             </a:fld>
             <a:endParaRPr lang="en-US" dirty="0"/>
           </a:p>
@@ -2091,7 +2092,7 @@
           <a:p>
             <a:fld id="{87DE6118-2437-4B30-8E3C-4D2BE6020583}" type="datetimeFigureOut">
               <a:rPr lang="en-US" dirty="0"/>
-              <a:t>9/18/2017</a:t>
+              <a:t>9/24/2018</a:t>
             </a:fld>
             <a:endParaRPr lang="en-US" dirty="0"/>
           </a:p>
@@ -2204,7 +2205,7 @@
           <a:p>
             <a:fld id="{87DE6118-2437-4B30-8E3C-4D2BE6020583}" type="datetimeFigureOut">
               <a:rPr lang="en-US" dirty="0"/>
-              <a:t>9/18/2017</a:t>
+              <a:t>9/24/2018</a:t>
             </a:fld>
             <a:endParaRPr lang="en-US" dirty="0"/>
           </a:p>
@@ -2294,7 +2295,7 @@
           <a:p>
             <a:fld id="{87DE6118-2437-4B30-8E3C-4D2BE6020583}" type="datetimeFigureOut">
               <a:rPr lang="en-US" dirty="0"/>
-              <a:t>9/18/2017</a:t>
+              <a:t>9/24/2018</a:t>
             </a:fld>
             <a:endParaRPr lang="en-US" dirty="0"/>
           </a:p>
@@ -2636,7 +2637,7 @@
             <a:fld id="{87DE6118-2437-4B30-8E3C-4D2BE6020583}" type="datetimeFigureOut">
               <a:rPr lang="en-US" dirty="0"/>
               <a:pPr/>
-              <a:t>9/18/2017</a:t>
+              <a:t>9/24/2018</a:t>
             </a:fld>
             <a:endParaRPr lang="en-US" dirty="0"/>
           </a:p>
@@ -3021,7 +3022,7 @@
             <a:fld id="{87DE6118-2437-4B30-8E3C-4D2BE6020583}" type="datetimeFigureOut">
               <a:rPr lang="en-US" dirty="0"/>
               <a:pPr/>
-              <a:t>9/18/2017</a:t>
+              <a:t>9/24/2018</a:t>
             </a:fld>
             <a:endParaRPr lang="en-US" dirty="0"/>
           </a:p>
@@ -3296,7 +3297,7 @@
             <a:fld id="{87DE6118-2437-4B30-8E3C-4D2BE6020583}" type="datetimeFigureOut">
               <a:rPr lang="en-US" dirty="0"/>
               <a:pPr/>
-              <a:t>9/18/2017</a:t>
+              <a:t>9/24/2018</a:t>
             </a:fld>
             <a:endParaRPr lang="en-US" dirty="0"/>
           </a:p>
@@ -3841,8 +3842,8 @@
           </a:p>
         </p:txBody>
       </p:sp>
-      <mc:AlternateContent xmlns:mc="http://schemas.openxmlformats.org/markup-compatibility/2006" xmlns:a14="http://schemas.microsoft.com/office/drawing/2010/main">
-        <mc:Choice Requires="a14">
+      <mc:AlternateContent xmlns:mc="http://schemas.openxmlformats.org/markup-compatibility/2006">
+        <mc:Choice xmlns:a14="http://schemas.microsoft.com/office/drawing/2010/main" Requires="a14">
           <p:sp>
             <p:nvSpPr>
               <p:cNvPr id="4" name="Rectangle 3"/>
@@ -3852,7 +3853,7 @@
             <p:spPr>
               <a:xfrm>
                 <a:off x="1334264" y="1608119"/>
-                <a:ext cx="5474159" cy="2017219"/>
+                <a:ext cx="5474159" cy="2541208"/>
               </a:xfrm>
               <a:prstGeom prst="rect">
                 <a:avLst/>
@@ -3865,29 +3866,36 @@
               <a:lstStyle/>
               <a:p>
                 <a:r>
-                  <a:rPr lang="en-US" sz="3200" i="1" dirty="0" smtClean="0"/>
-                  <a:t>Solve for x:</a:t>
+                  <a:rPr lang="en-US" sz="3600" i="1" dirty="0" smtClean="0"/>
+                  <a:t>Solve </a:t>
                 </a:r>
-                <a:endParaRPr lang="en-US" sz="3000" i="1" dirty="0" smtClean="0"/>
+                <a:r>
+                  <a:rPr lang="en-US" sz="3600" i="1" smtClean="0"/>
+                  <a:t>and graph for </a:t>
+                </a:r>
+                <a:r>
+                  <a:rPr lang="en-US" sz="3600" i="1" dirty="0" smtClean="0"/>
+                  <a:t>x:</a:t>
+                </a:r>
               </a:p>
               <a:p>
-                <a:endParaRPr lang="en-US" sz="3000" dirty="0"/>
+                <a:endParaRPr lang="en-US" sz="3600" dirty="0"/>
               </a:p>
               <a:p>
                 <a:r>
-                  <a:rPr lang="en-US" sz="3000" dirty="0" smtClean="0"/>
+                  <a:rPr lang="en-US" sz="3600" dirty="0" smtClean="0"/>
                   <a:t>     </a:t>
                 </a:r>
                 <a14:m>
                   <m:oMath xmlns:m="http://schemas.openxmlformats.org/officeDocument/2006/math">
                     <m:r>
-                      <a:rPr lang="en-US" sz="3000" b="0" i="0" smtClean="0">
+                      <a:rPr lang="en-US" sz="3600" b="0" i="0" smtClean="0">
                         <a:latin typeface="Cambria Math" panose="02040503050406030204" pitchFamily="18" charset="0"/>
                       </a:rPr>
                       <m:t>16</m:t>
                     </m:r>
                     <m:r>
-                      <a:rPr lang="en-US" sz="3000" b="0" i="1" smtClean="0">
+                      <a:rPr lang="en-US" sz="3600" b="0" i="1" smtClean="0">
                         <a:latin typeface="Cambria Math" panose="02040503050406030204" pitchFamily="18" charset="0"/>
                       </a:rPr>
                       <m:t>&lt;</m:t>
@@ -3895,20 +3903,20 @@
                     <m:f>
                       <m:fPr>
                         <m:ctrlPr>
-                          <a:rPr lang="en-US" sz="3000" i="1" smtClean="0">
+                          <a:rPr lang="en-US" sz="3600" i="1" smtClean="0">
                             <a:latin typeface="Cambria Math" panose="02040503050406030204" pitchFamily="18" charset="0"/>
                           </a:rPr>
                         </m:ctrlPr>
                       </m:fPr>
                       <m:num>
                         <m:r>
-                          <a:rPr lang="en-US" sz="3000" b="0" i="1" smtClean="0">
+                          <a:rPr lang="en-US" sz="3600" b="0" i="1" smtClean="0">
                             <a:latin typeface="Cambria Math" panose="02040503050406030204" pitchFamily="18" charset="0"/>
                           </a:rPr>
                           <m:t>2</m:t>
                         </m:r>
                         <m:r>
-                          <a:rPr lang="en-US" sz="3000" b="0" i="1" smtClean="0">
+                          <a:rPr lang="en-US" sz="3600" b="0" i="1" smtClean="0">
                             <a:latin typeface="Cambria Math" panose="02040503050406030204" pitchFamily="18" charset="0"/>
                           </a:rPr>
                           <m:t>𝑥</m:t>
@@ -3916,7 +3924,7 @@
                       </m:num>
                       <m:den>
                         <m:r>
-                          <a:rPr lang="en-US" sz="3000" b="0" i="1" smtClean="0">
+                          <a:rPr lang="en-US" sz="3600" b="0" i="1" smtClean="0">
                             <a:latin typeface="Cambria Math" panose="02040503050406030204" pitchFamily="18" charset="0"/>
                           </a:rPr>
                           <m:t>5</m:t>
@@ -3924,22 +3932,22 @@
                       </m:den>
                     </m:f>
                     <m:r>
-                      <a:rPr lang="en-US" sz="3000" b="0" i="1" smtClean="0">
+                      <a:rPr lang="en-US" sz="3600" b="0" i="1" smtClean="0">
                         <a:latin typeface="Cambria Math" panose="02040503050406030204" pitchFamily="18" charset="0"/>
                       </a:rPr>
                       <m:t>+12</m:t>
                     </m:r>
                   </m:oMath>
                 </a14:m>
-                <a:endParaRPr lang="en-US" sz="3000" dirty="0"/>
+                <a:endParaRPr lang="en-US" sz="3600" dirty="0"/>
               </a:p>
               <a:p>
-                <a:endParaRPr lang="en-US" dirty="0"/>
+                <a:endParaRPr lang="en-US" sz="3600" dirty="0"/>
               </a:p>
             </p:txBody>
           </p:sp>
         </mc:Choice>
-        <mc:Fallback xmlns="">
+        <mc:Fallback>
           <p:sp>
             <p:nvSpPr>
               <p:cNvPr id="4" name="Rectangle 3"/>
@@ -3951,7 +3959,7 @@
             <p:spPr>
               <a:xfrm>
                 <a:off x="1334264" y="1608119"/>
-                <a:ext cx="5474159" cy="2017219"/>
+                <a:ext cx="5474159" cy="2541208"/>
               </a:xfrm>
               <a:prstGeom prst="rect">
                 <a:avLst/>
@@ -3959,7 +3967,7 @@
               <a:blipFill rotWithShape="0">
                 <a:blip r:embed="rId2"/>
                 <a:stretch>
-                  <a:fillRect l="-2895" t="-3625"/>
+                  <a:fillRect l="-3452" t="-3837"/>
                 </a:stretch>
               </a:blipFill>
             </p:spPr>
@@ -3978,8 +3986,8 @@
           </p:sp>
         </mc:Fallback>
       </mc:AlternateContent>
-      <mc:AlternateContent xmlns:mc="http://schemas.openxmlformats.org/markup-compatibility/2006" xmlns:a14="http://schemas.microsoft.com/office/drawing/2010/main">
-        <mc:Choice Requires="a14">
+      <mc:AlternateContent xmlns:mc="http://schemas.openxmlformats.org/markup-compatibility/2006">
+        <mc:Choice xmlns:a14="http://schemas.microsoft.com/office/drawing/2010/main" Requires="a14">
           <p:sp>
             <p:nvSpPr>
               <p:cNvPr id="5" name="Rectangle 4"/>
@@ -3988,8 +3996,8 @@
             </p:nvSpPr>
             <p:spPr>
               <a:xfrm>
-                <a:off x="1334264" y="3625338"/>
-                <a:ext cx="5474159" cy="1785104"/>
+                <a:off x="1334264" y="3993328"/>
+                <a:ext cx="7017999" cy="2308324"/>
               </a:xfrm>
               <a:prstGeom prst="rect">
                 <a:avLst/>
@@ -4002,23 +4010,22 @@
               <a:lstStyle/>
               <a:p>
                 <a:r>
-                  <a:rPr lang="en-US" sz="3200" i="1" dirty="0" smtClean="0"/>
+                  <a:rPr lang="en-US" sz="3600" i="1" dirty="0" smtClean="0"/>
                   <a:t>Solve for x:</a:t>
                 </a:r>
-                <a:endParaRPr lang="en-US" sz="3000" i="1" dirty="0" smtClean="0"/>
               </a:p>
               <a:p>
-                <a:endParaRPr lang="en-US" sz="3000" dirty="0"/>
+                <a:endParaRPr lang="en-US" sz="3600" dirty="0"/>
               </a:p>
               <a:p>
                 <a:r>
-                  <a:rPr lang="en-US" sz="3000" dirty="0" smtClean="0"/>
+                  <a:rPr lang="en-US" sz="3600" dirty="0" smtClean="0"/>
                   <a:t>     </a:t>
                 </a:r>
                 <a14:m>
                   <m:oMath xmlns:m="http://schemas.openxmlformats.org/officeDocument/2006/math">
                     <m:r>
-                      <a:rPr lang="en-US" sz="3000" b="0" i="0" smtClean="0">
+                      <a:rPr lang="en-US" sz="3600" b="0" i="0" smtClean="0">
                         <a:latin typeface="Cambria Math" panose="02040503050406030204" pitchFamily="18" charset="0"/>
                       </a:rPr>
                       <m:t>2</m:t>
@@ -4027,13 +4034,13 @@
                       <m:rPr>
                         <m:sty m:val="p"/>
                       </m:rPr>
-                      <a:rPr lang="en-US" sz="3000" b="0" i="0" smtClean="0">
+                      <a:rPr lang="en-US" sz="3600" b="0" i="0" smtClean="0">
                         <a:latin typeface="Cambria Math" panose="02040503050406030204" pitchFamily="18" charset="0"/>
                       </a:rPr>
                       <m:t>x</m:t>
                     </m:r>
                     <m:r>
-                      <a:rPr lang="en-US" sz="3000" b="0" i="0" smtClean="0">
+                      <a:rPr lang="en-US" sz="3600" b="0" i="0" smtClean="0">
                         <a:latin typeface="Cambria Math" panose="02040503050406030204" pitchFamily="18" charset="0"/>
                       </a:rPr>
                       <m:t>−6−12</m:t>
@@ -4042,46 +4049,46 @@
                       <m:rPr>
                         <m:sty m:val="p"/>
                       </m:rPr>
-                      <a:rPr lang="en-US" sz="3000" b="0" i="0" smtClean="0">
+                      <a:rPr lang="en-US" sz="3600" b="0" i="0" smtClean="0">
                         <a:latin typeface="Cambria Math" panose="02040503050406030204" pitchFamily="18" charset="0"/>
                       </a:rPr>
                       <m:t>x</m:t>
                     </m:r>
                     <m:r>
-                      <a:rPr lang="en-US" sz="3000" b="0" i="0" smtClean="0">
+                      <a:rPr lang="en-US" sz="3600" b="0" i="0" smtClean="0">
                         <a:latin typeface="Cambria Math" panose="02040503050406030204" pitchFamily="18" charset="0"/>
                       </a:rPr>
                       <m:t>+3</m:t>
                     </m:r>
                     <m:r>
-                      <a:rPr lang="en-US" sz="3000" b="0" i="1" smtClean="0">
+                      <a:rPr lang="en-US" sz="3600" b="0" i="1" smtClean="0">
                         <a:latin typeface="Cambria Math" panose="02040503050406030204" pitchFamily="18" charset="0"/>
                       </a:rPr>
                       <m:t>=8</m:t>
                     </m:r>
                     <m:r>
-                      <a:rPr lang="en-US" sz="3000" b="0" i="1" smtClean="0">
+                      <a:rPr lang="en-US" sz="3600" b="0" i="1" smtClean="0">
                         <a:latin typeface="Cambria Math" panose="02040503050406030204" pitchFamily="18" charset="0"/>
                       </a:rPr>
                       <m:t>𝑥</m:t>
                     </m:r>
                     <m:r>
-                      <a:rPr lang="en-US" sz="3000" b="0" i="1" smtClean="0">
+                      <a:rPr lang="en-US" sz="3600" b="0" i="1" smtClean="0">
                         <a:latin typeface="Cambria Math" panose="02040503050406030204" pitchFamily="18" charset="0"/>
                       </a:rPr>
                       <m:t>+11</m:t>
                     </m:r>
                   </m:oMath>
                 </a14:m>
-                <a:endParaRPr lang="en-US" sz="3000" dirty="0"/>
+                <a:endParaRPr lang="en-US" sz="3600" dirty="0"/>
               </a:p>
               <a:p>
-                <a:endParaRPr lang="en-US" dirty="0"/>
+                <a:endParaRPr lang="en-US" sz="3600" dirty="0"/>
               </a:p>
             </p:txBody>
           </p:sp>
         </mc:Choice>
-        <mc:Fallback xmlns="">
+        <mc:Fallback>
           <p:sp>
             <p:nvSpPr>
               <p:cNvPr id="5" name="Rectangle 4"/>
@@ -4092,8 +4099,8 @@
             </p:nvSpPr>
             <p:spPr>
               <a:xfrm>
-                <a:off x="1334264" y="3625338"/>
-                <a:ext cx="5474159" cy="1785104"/>
+                <a:off x="1334264" y="3993328"/>
+                <a:ext cx="7017999" cy="2308324"/>
               </a:xfrm>
               <a:prstGeom prst="rect">
                 <a:avLst/>
@@ -4101,7 +4108,7 @@
               <a:blipFill rotWithShape="0">
                 <a:blip r:embed="rId3"/>
                 <a:stretch>
-                  <a:fillRect l="-2895" t="-4096"/>
+                  <a:fillRect l="-2693" t="-3958"/>
                 </a:stretch>
               </a:blipFill>
             </p:spPr>
@@ -4140,6 +4147,115 @@
 </p:sld>
 </file>
 
+<file path=ppt/slides/slide10.xml><?xml version="1.0" encoding="utf-8"?>
+<p:sld xmlns:a="http://schemas.openxmlformats.org/drawingml/2006/main" xmlns:r="http://schemas.openxmlformats.org/officeDocument/2006/relationships" xmlns:p="http://schemas.openxmlformats.org/presentationml/2006/main">
+  <p:cSld>
+    <p:spTree>
+      <p:nvGrpSpPr>
+        <p:cNvPr id="1" name=""/>
+        <p:cNvGrpSpPr/>
+        <p:nvPr/>
+      </p:nvGrpSpPr>
+      <p:grpSpPr>
+        <a:xfrm>
+          <a:off x="0" y="0"/>
+          <a:ext cx="0" cy="0"/>
+          <a:chOff x="0" y="0"/>
+          <a:chExt cx="0" cy="0"/>
+        </a:xfrm>
+      </p:grpSpPr>
+      <p:sp>
+        <p:nvSpPr>
+          <p:cNvPr id="2" name="Title 1"/>
+          <p:cNvSpPr>
+            <a:spLocks noGrp="1"/>
+          </p:cNvSpPr>
+          <p:nvPr>
+            <p:ph type="title"/>
+          </p:nvPr>
+        </p:nvSpPr>
+        <p:spPr/>
+        <p:txBody>
+          <a:bodyPr/>
+          <a:lstStyle/>
+          <a:p>
+            <a:r>
+              <a:rPr lang="en-US" dirty="0" smtClean="0"/>
+              <a:t>For Next Time… </a:t>
+            </a:r>
+            <a:endParaRPr lang="en-US" dirty="0"/>
+          </a:p>
+        </p:txBody>
+      </p:sp>
+      <p:sp>
+        <p:nvSpPr>
+          <p:cNvPr id="3" name="Content Placeholder 2"/>
+          <p:cNvSpPr>
+            <a:spLocks noGrp="1"/>
+          </p:cNvSpPr>
+          <p:nvPr>
+            <p:ph idx="1"/>
+          </p:nvPr>
+        </p:nvSpPr>
+        <p:spPr/>
+        <p:txBody>
+          <a:bodyPr>
+            <a:normAutofit/>
+          </a:bodyPr>
+          <a:lstStyle/>
+          <a:p>
+            <a:pPr marL="0" indent="0">
+              <a:buNone/>
+            </a:pPr>
+            <a:r>
+              <a:rPr lang="en-US" sz="3000" dirty="0" smtClean="0"/>
+              <a:t>For Today</a:t>
+            </a:r>
+          </a:p>
+          <a:p>
+            <a:pPr marL="0" indent="0">
+              <a:buNone/>
+            </a:pPr>
+            <a:r>
+              <a:rPr lang="en-US" sz="3000" dirty="0" smtClean="0"/>
+              <a:t>Page 45 #2-5, 29, 45, 65</a:t>
+            </a:r>
+            <a:endParaRPr lang="en-US" sz="3000" dirty="0"/>
+          </a:p>
+          <a:p>
+            <a:pPr marL="0" indent="0">
+              <a:buNone/>
+            </a:pPr>
+            <a:r>
+              <a:rPr lang="en-US" sz="3000" dirty="0" smtClean="0"/>
+              <a:t>Mixed Review</a:t>
+            </a:r>
+          </a:p>
+          <a:p>
+            <a:pPr marL="0" indent="0">
+              <a:buNone/>
+            </a:pPr>
+            <a:r>
+              <a:rPr lang="en-US" sz="3000" dirty="0" smtClean="0"/>
+              <a:t>Page 48 #96, 99</a:t>
+            </a:r>
+            <a:endParaRPr lang="en-US" sz="3000" dirty="0"/>
+          </a:p>
+        </p:txBody>
+      </p:sp>
+    </p:spTree>
+    <p:extLst>
+      <p:ext uri="{BB962C8B-B14F-4D97-AF65-F5344CB8AC3E}">
+        <p14:creationId xmlns:p14="http://schemas.microsoft.com/office/powerpoint/2010/main" val="3701921675"/>
+      </p:ext>
+    </p:extLst>
+  </p:cSld>
+  <p:clrMapOvr>
+    <a:masterClrMapping/>
+  </p:clrMapOvr>
+</p:sld>
+</file>
+
 <file path=ppt/slides/slide2.xml><?xml version="1.0" encoding="utf-8"?>
 <p:sld xmlns:a="http://schemas.openxmlformats.org/drawingml/2006/main" xmlns:r="http://schemas.openxmlformats.org/officeDocument/2006/relationships" xmlns:p="http://schemas.openxmlformats.org/presentationml/2006/main">
   <p:cSld>
@@ -4222,11 +4338,7 @@
             </a:pPr>
             <a:r>
               <a:rPr lang="en-US" sz="3000" dirty="0" smtClean="0"/>
-              <a:t>Go over any </a:t>
-            </a:r>
-            <a:r>
-              <a:rPr lang="en-US" sz="3000" dirty="0" smtClean="0"/>
-              <a:t>questions</a:t>
+              <a:t>Go over any questions</a:t>
             </a:r>
           </a:p>
           <a:p>
@@ -4295,7 +4407,7 @@
             <a:spLocks noGrp="1"/>
           </p:cNvSpPr>
           <p:nvPr>
-            <p:ph type="ctrTitle"/>
+            <p:ph type="title"/>
           </p:nvPr>
         </p:nvSpPr>
         <p:spPr/>
@@ -4305,39 +4417,93 @@
           <a:p>
             <a:r>
               <a:rPr lang="en-US" dirty="0" smtClean="0"/>
-              <a:t>ALGEBRA 3</a:t>
-            </a:r>
-            <a:endParaRPr lang="en-US" dirty="0"/>
-          </a:p>
-        </p:txBody>
-      </p:sp>
-      <p:sp>
-        <p:nvSpPr>
-          <p:cNvPr id="3" name="Subtitle 2"/>
-          <p:cNvSpPr>
-            <a:spLocks noGrp="1"/>
-          </p:cNvSpPr>
-          <p:nvPr>
-            <p:ph type="subTitle" idx="1"/>
+              <a:t>From Last Time… </a:t>
+            </a:r>
+            <a:endParaRPr lang="en-US" dirty="0"/>
+          </a:p>
+        </p:txBody>
+      </p:sp>
+      <p:sp>
+        <p:nvSpPr>
+          <p:cNvPr id="3" name="Content Placeholder 2"/>
+          <p:cNvSpPr>
+            <a:spLocks noGrp="1"/>
+          </p:cNvSpPr>
+          <p:nvPr>
+            <p:ph idx="1"/>
           </p:nvPr>
         </p:nvSpPr>
         <p:spPr/>
         <p:txBody>
-          <a:bodyPr/>
+          <a:bodyPr>
+            <a:normAutofit/>
+          </a:bodyPr>
           <a:lstStyle/>
           <a:p>
-            <a:r>
-              <a:rPr lang="en-US" dirty="0" smtClean="0"/>
-              <a:t>Day 10</a:t>
-            </a:r>
-            <a:endParaRPr lang="en-US" dirty="0"/>
+            <a:pPr marL="0" indent="0">
+              <a:buNone/>
+            </a:pPr>
+            <a:r>
+              <a:rPr lang="en-US" sz="3000" dirty="0" smtClean="0"/>
+              <a:t>From Last Time</a:t>
+            </a:r>
+          </a:p>
+          <a:p>
+            <a:pPr marL="0" indent="0">
+              <a:buNone/>
+            </a:pPr>
+            <a:r>
+              <a:rPr lang="en-US" sz="3000" dirty="0" smtClean="0"/>
+              <a:t>Page 37-38 </a:t>
+            </a:r>
+            <a:r>
+              <a:rPr lang="en-US" sz="3000" dirty="0"/>
+              <a:t>#3-5, </a:t>
+            </a:r>
+            <a:r>
+              <a:rPr lang="en-US" sz="3000" dirty="0" smtClean="0"/>
+              <a:t>10, </a:t>
+            </a:r>
+            <a:r>
+              <a:rPr lang="en-US" sz="3000" dirty="0"/>
+              <a:t>27, </a:t>
+            </a:r>
+            <a:r>
+              <a:rPr lang="en-US" sz="3000" dirty="0" smtClean="0"/>
+              <a:t>31, 35, 44</a:t>
+            </a:r>
+          </a:p>
+          <a:p>
+            <a:pPr marL="0" indent="0">
+              <a:buNone/>
+            </a:pPr>
+            <a:endParaRPr lang="en-US" sz="3000" dirty="0"/>
+          </a:p>
+          <a:p>
+            <a:pPr marL="0" indent="0">
+              <a:buNone/>
+            </a:pPr>
+            <a:r>
+              <a:rPr lang="en-US" sz="3000" dirty="0" smtClean="0"/>
+              <a:t>Mixed Review</a:t>
+            </a:r>
+          </a:p>
+          <a:p>
+            <a:pPr marL="0" indent="0">
+              <a:buNone/>
+            </a:pPr>
+            <a:r>
+              <a:rPr lang="en-US" sz="3000" dirty="0" smtClean="0"/>
+              <a:t>Page 40 #72, 75, 78</a:t>
+            </a:r>
+            <a:endParaRPr lang="en-US" sz="3000" dirty="0"/>
           </a:p>
         </p:txBody>
       </p:sp>
     </p:spTree>
     <p:extLst>
       <p:ext uri="{BB962C8B-B14F-4D97-AF65-F5344CB8AC3E}">
-        <p14:creationId xmlns:p14="http://schemas.microsoft.com/office/powerpoint/2010/main" val="3063505576"/>
+        <p14:creationId xmlns:p14="http://schemas.microsoft.com/office/powerpoint/2010/main" val="2435262644"/>
       </p:ext>
     </p:extLst>
   </p:cSld>
@@ -4378,84 +4544,49 @@
             <a:spLocks noGrp="1"/>
           </p:cNvSpPr>
           <p:nvPr>
-            <p:ph type="title"/>
+            <p:ph type="ctrTitle"/>
           </p:nvPr>
         </p:nvSpPr>
         <p:spPr/>
         <p:txBody>
-          <a:bodyPr>
-            <a:normAutofit fontScale="90000"/>
-          </a:bodyPr>
+          <a:bodyPr/>
           <a:lstStyle/>
           <a:p>
             <a:r>
-              <a:rPr lang="en-US" dirty="0"/>
-              <a:t>Chapter 1 Section </a:t>
-            </a:r>
-            <a:r>
               <a:rPr lang="en-US" dirty="0" smtClean="0"/>
-              <a:t>6</a:t>
-            </a:r>
-            <a:r>
-              <a:rPr lang="en-US" dirty="0"/>
-              <a:t/>
-            </a:r>
-            <a:br>
-              <a:rPr lang="en-US" dirty="0"/>
-            </a:br>
+              <a:t>ALGEBRA 3</a:t>
+            </a:r>
+            <a:endParaRPr lang="en-US" dirty="0"/>
+          </a:p>
+        </p:txBody>
+      </p:sp>
+      <p:sp>
+        <p:nvSpPr>
+          <p:cNvPr id="3" name="Subtitle 2"/>
+          <p:cNvSpPr>
+            <a:spLocks noGrp="1"/>
+          </p:cNvSpPr>
+          <p:nvPr>
+            <p:ph type="subTitle" idx="1"/>
+          </p:nvPr>
+        </p:nvSpPr>
+        <p:spPr/>
+        <p:txBody>
+          <a:bodyPr/>
+          <a:lstStyle/>
+          <a:p>
             <a:r>
               <a:rPr lang="en-US" dirty="0" smtClean="0"/>
-              <a:t>Absolute Value Equations and Inequalities</a:t>
-            </a:r>
-            <a:endParaRPr lang="en-US" dirty="0"/>
-          </a:p>
-        </p:txBody>
-      </p:sp>
-      <p:sp>
-        <p:nvSpPr>
-          <p:cNvPr id="3" name="Content Placeholder 2"/>
-          <p:cNvSpPr>
-            <a:spLocks noGrp="1"/>
-          </p:cNvSpPr>
-          <p:nvPr>
-            <p:ph idx="1"/>
-          </p:nvPr>
-        </p:nvSpPr>
-        <p:spPr>
-          <a:xfrm>
-            <a:off x="1371600" y="2285999"/>
-            <a:ext cx="9601200" cy="2323707"/>
-          </a:xfrm>
-        </p:spPr>
-        <p:txBody>
-          <a:bodyPr>
-            <a:normAutofit/>
-          </a:bodyPr>
-          <a:lstStyle/>
-          <a:p>
-            <a:pPr marL="0" indent="0">
-              <a:buNone/>
-            </a:pPr>
-            <a:r>
-              <a:rPr lang="en-US" sz="3000" b="1" dirty="0" smtClean="0"/>
-              <a:t>Objective</a:t>
-            </a:r>
-            <a:r>
-              <a:rPr lang="en-US" sz="3000" dirty="0" smtClean="0"/>
-              <a:t>: </a:t>
-            </a:r>
-            <a:r>
-              <a:rPr lang="en-US" sz="3200" dirty="0" smtClean="0"/>
-              <a:t>To write and solve equations and inequalities involving absolute value</a:t>
-            </a:r>
-            <a:endParaRPr lang="en-US" sz="3200" dirty="0"/>
+              <a:t>Day 10</a:t>
+            </a:r>
+            <a:endParaRPr lang="en-US" dirty="0"/>
           </a:p>
         </p:txBody>
       </p:sp>
     </p:spTree>
     <p:extLst>
       <p:ext uri="{BB962C8B-B14F-4D97-AF65-F5344CB8AC3E}">
-        <p14:creationId xmlns:p14="http://schemas.microsoft.com/office/powerpoint/2010/main" val="2774381841"/>
+        <p14:creationId xmlns:p14="http://schemas.microsoft.com/office/powerpoint/2010/main" val="3063505576"/>
       </p:ext>
     </p:extLst>
   </p:cSld>
@@ -4499,6 +4630,124 @@
             <p:ph type="title"/>
           </p:nvPr>
         </p:nvSpPr>
+        <p:spPr/>
+        <p:txBody>
+          <a:bodyPr>
+            <a:normAutofit fontScale="90000"/>
+          </a:bodyPr>
+          <a:lstStyle/>
+          <a:p>
+            <a:r>
+              <a:rPr lang="en-US" dirty="0"/>
+              <a:t>Chapter 1 Section </a:t>
+            </a:r>
+            <a:r>
+              <a:rPr lang="en-US" dirty="0" smtClean="0"/>
+              <a:t>6</a:t>
+            </a:r>
+            <a:r>
+              <a:rPr lang="en-US" dirty="0"/>
+              <a:t/>
+            </a:r>
+            <a:br>
+              <a:rPr lang="en-US" dirty="0"/>
+            </a:br>
+            <a:r>
+              <a:rPr lang="en-US" dirty="0" smtClean="0"/>
+              <a:t>Absolute Value Equations and Inequalities</a:t>
+            </a:r>
+            <a:endParaRPr lang="en-US" dirty="0"/>
+          </a:p>
+        </p:txBody>
+      </p:sp>
+      <p:sp>
+        <p:nvSpPr>
+          <p:cNvPr id="3" name="Content Placeholder 2"/>
+          <p:cNvSpPr>
+            <a:spLocks noGrp="1"/>
+          </p:cNvSpPr>
+          <p:nvPr>
+            <p:ph idx="1"/>
+          </p:nvPr>
+        </p:nvSpPr>
+        <p:spPr>
+          <a:xfrm>
+            <a:off x="1371600" y="2285999"/>
+            <a:ext cx="9601200" cy="2323707"/>
+          </a:xfrm>
+        </p:spPr>
+        <p:txBody>
+          <a:bodyPr>
+            <a:normAutofit/>
+          </a:bodyPr>
+          <a:lstStyle/>
+          <a:p>
+            <a:pPr marL="0" indent="0">
+              <a:buNone/>
+            </a:pPr>
+            <a:r>
+              <a:rPr lang="en-US" sz="3000" b="1" dirty="0" smtClean="0"/>
+              <a:t>Objective</a:t>
+            </a:r>
+            <a:r>
+              <a:rPr lang="en-US" sz="3000" dirty="0" smtClean="0"/>
+              <a:t>: </a:t>
+            </a:r>
+            <a:r>
+              <a:rPr lang="en-US" sz="3200" dirty="0" smtClean="0"/>
+              <a:t>To write and solve equations and inequalities involving absolute value</a:t>
+            </a:r>
+            <a:endParaRPr lang="en-US" sz="3200" dirty="0"/>
+          </a:p>
+        </p:txBody>
+      </p:sp>
+    </p:spTree>
+    <p:extLst>
+      <p:ext uri="{BB962C8B-B14F-4D97-AF65-F5344CB8AC3E}">
+        <p14:creationId xmlns:p14="http://schemas.microsoft.com/office/powerpoint/2010/main" val="2774381841"/>
+      </p:ext>
+    </p:extLst>
+  </p:cSld>
+  <p:clrMapOvr>
+    <a:masterClrMapping/>
+  </p:clrMapOvr>
+  <p:timing>
+    <p:tnLst>
+      <p:par>
+        <p:cTn id="1" dur="indefinite" restart="never" nodeType="tmRoot"/>
+      </p:par>
+    </p:tnLst>
+  </p:timing>
+</p:sld>
+</file>
+
+<file path=ppt/slides/slide6.xml><?xml version="1.0" encoding="utf-8"?>
+<p:sld xmlns:a="http://schemas.openxmlformats.org/drawingml/2006/main" xmlns:r="http://schemas.openxmlformats.org/officeDocument/2006/relationships" xmlns:p="http://schemas.openxmlformats.org/presentationml/2006/main">
+  <p:cSld>
+    <p:spTree>
+      <p:nvGrpSpPr>
+        <p:cNvPr id="1" name=""/>
+        <p:cNvGrpSpPr/>
+        <p:nvPr/>
+      </p:nvGrpSpPr>
+      <p:grpSpPr>
+        <a:xfrm>
+          <a:off x="0" y="0"/>
+          <a:ext cx="0" cy="0"/>
+          <a:chOff x="0" y="0"/>
+          <a:chExt cx="0" cy="0"/>
+        </a:xfrm>
+      </p:grpSpPr>
+      <p:sp>
+        <p:nvSpPr>
+          <p:cNvPr id="2" name="Title 1"/>
+          <p:cNvSpPr>
+            <a:spLocks noGrp="1"/>
+          </p:cNvSpPr>
+          <p:nvPr>
+            <p:ph type="title"/>
+          </p:nvPr>
+        </p:nvSpPr>
         <p:spPr>
           <a:xfrm>
             <a:off x="1371599" y="402996"/>
@@ -4656,7 +4905,7 @@
 </p:sld>
 </file>
 
-<file path=ppt/slides/slide6.xml><?xml version="1.0" encoding="utf-8"?>
+<file path=ppt/slides/slide7.xml><?xml version="1.0" encoding="utf-8"?>
 <p:sld xmlns:a="http://schemas.openxmlformats.org/drawingml/2006/main" xmlns:r="http://schemas.openxmlformats.org/officeDocument/2006/relationships" xmlns:p="http://schemas.openxmlformats.org/presentationml/2006/main">
   <p:cSld>
     <p:spTree>
@@ -4963,7 +5212,7 @@
           <a:graphicData uri="http://schemas.openxmlformats.org/presentationml/2006/ole">
             <mc:AlternateContent xmlns:mc="http://schemas.openxmlformats.org/markup-compatibility/2006">
               <mc:Choice xmlns:v="urn:schemas-microsoft-com:vml" Requires="v">
-                <p:oleObj spid="_x0000_s2058" r:id="rId4" imgW="800100" imgH="228600" progId="Equation.DSMT4">
+                <p:oleObj spid="_x0000_s2059" r:id="rId4" imgW="800100" imgH="228600" progId="Equation.DSMT4">
                   <p:embed/>
                 </p:oleObj>
               </mc:Choice>
@@ -5021,7 +5270,7 @@
 </p:sld>
 </file>
 
-<file path=ppt/slides/slide7.xml><?xml version="1.0" encoding="utf-8"?>
+<file path=ppt/slides/slide8.xml><?xml version="1.0" encoding="utf-8"?>
 <p:sld xmlns:a="http://schemas.openxmlformats.org/drawingml/2006/main" xmlns:r="http://schemas.openxmlformats.org/officeDocument/2006/relationships" xmlns:p="http://schemas.openxmlformats.org/presentationml/2006/main">
   <p:cSld>
     <p:spTree>
@@ -5342,103 +5591,6 @@
 </p:sld>
 </file>
 
-<file path=ppt/slides/slide8.xml><?xml version="1.0" encoding="utf-8"?>
-<p:sld xmlns:a="http://schemas.openxmlformats.org/drawingml/2006/main" xmlns:r="http://schemas.openxmlformats.org/officeDocument/2006/relationships" xmlns:p="http://schemas.openxmlformats.org/presentationml/2006/main">
-  <p:cSld>
-    <p:spTree>
-      <p:nvGrpSpPr>
-        <p:cNvPr id="1" name=""/>
-        <p:cNvGrpSpPr/>
-        <p:nvPr/>
-      </p:nvGrpSpPr>
-      <p:grpSpPr>
-        <a:xfrm>
-          <a:off x="0" y="0"/>
-          <a:ext cx="0" cy="0"/>
-          <a:chOff x="0" y="0"/>
-          <a:chExt cx="0" cy="0"/>
-        </a:xfrm>
-      </p:grpSpPr>
-      <p:sp>
-        <p:nvSpPr>
-          <p:cNvPr id="2" name="Title 1"/>
-          <p:cNvSpPr>
-            <a:spLocks noGrp="1"/>
-          </p:cNvSpPr>
-          <p:nvPr>
-            <p:ph type="title"/>
-          </p:nvPr>
-        </p:nvSpPr>
-        <p:spPr/>
-        <p:txBody>
-          <a:bodyPr/>
-          <a:lstStyle/>
-          <a:p>
-            <a:r>
-              <a:rPr lang="en-US" dirty="0" smtClean="0"/>
-              <a:t>Quick Check for Understanding</a:t>
-            </a:r>
-            <a:endParaRPr lang="en-US" dirty="0"/>
-          </a:p>
-        </p:txBody>
-      </p:sp>
-      <p:sp>
-        <p:nvSpPr>
-          <p:cNvPr id="3" name="Content Placeholder 2"/>
-          <p:cNvSpPr>
-            <a:spLocks noGrp="1"/>
-          </p:cNvSpPr>
-          <p:nvPr>
-            <p:ph idx="1"/>
-          </p:nvPr>
-        </p:nvSpPr>
-        <p:spPr>
-          <a:xfrm>
-            <a:off x="1371600" y="1696825"/>
-            <a:ext cx="9601200" cy="4901937"/>
-          </a:xfrm>
-        </p:spPr>
-        <p:txBody>
-          <a:bodyPr>
-            <a:normAutofit/>
-          </a:bodyPr>
-          <a:lstStyle/>
-          <a:p>
-            <a:r>
-              <a:rPr lang="en-US" sz="3000" dirty="0" smtClean="0"/>
-              <a:t>If a variable is inside of |absolute value| how many answers will you have and why? </a:t>
-            </a:r>
-          </a:p>
-          <a:p>
-            <a:pPr marL="0" indent="0">
-              <a:buNone/>
-            </a:pPr>
-            <a:endParaRPr lang="en-US" sz="2400" dirty="0"/>
-          </a:p>
-          <a:p>
-            <a:endParaRPr lang="en-US" sz="2400" dirty="0"/>
-          </a:p>
-          <a:p>
-            <a:pPr marL="0" indent="0">
-              <a:buNone/>
-            </a:pPr>
-            <a:endParaRPr lang="en-US" sz="2400" dirty="0" smtClean="0"/>
-          </a:p>
-        </p:txBody>
-      </p:sp>
-    </p:spTree>
-    <p:extLst>
-      <p:ext uri="{BB962C8B-B14F-4D97-AF65-F5344CB8AC3E}">
-        <p14:creationId xmlns:p14="http://schemas.microsoft.com/office/powerpoint/2010/main" val="1500849055"/>
-      </p:ext>
-    </p:extLst>
-  </p:cSld>
-  <p:clrMapOvr>
-    <a:masterClrMapping/>
-  </p:clrMapOvr>
-</p:sld>
-</file>
-
 <file path=ppt/slides/slide9.xml><?xml version="1.0" encoding="utf-8"?>
 <p:sld xmlns:a="http://schemas.openxmlformats.org/drawingml/2006/main" xmlns:r="http://schemas.openxmlformats.org/officeDocument/2006/relationships" xmlns:p="http://schemas.openxmlformats.org/presentationml/2006/main">
   <p:cSld>
@@ -5473,7 +5625,7 @@
           <a:p>
             <a:r>
               <a:rPr lang="en-US" dirty="0" smtClean="0"/>
-              <a:t>For Next Time… </a:t>
+              <a:t>Quick Check for Understanding</a:t>
             </a:r>
             <a:endParaRPr lang="en-US" dirty="0"/>
           </a:p>
@@ -5489,57 +5641,44 @@
             <p:ph idx="1"/>
           </p:nvPr>
         </p:nvSpPr>
-        <p:spPr/>
+        <p:spPr>
+          <a:xfrm>
+            <a:off x="1371600" y="1696825"/>
+            <a:ext cx="9601200" cy="4901937"/>
+          </a:xfrm>
+        </p:spPr>
         <p:txBody>
           <a:bodyPr>
             <a:normAutofit/>
           </a:bodyPr>
           <a:lstStyle/>
           <a:p>
+            <a:r>
+              <a:rPr lang="en-US" sz="3000" dirty="0" smtClean="0"/>
+              <a:t>If a variable is inside of |absolute value| how many answers will you have and why? </a:t>
+            </a:r>
+          </a:p>
+          <a:p>
             <a:pPr marL="0" indent="0">
               <a:buNone/>
             </a:pPr>
-            <a:r>
-              <a:rPr lang="en-US" sz="3000" dirty="0" smtClean="0"/>
-              <a:t>For Today</a:t>
-            </a:r>
-            <a:endParaRPr lang="en-US" sz="3000" dirty="0" smtClean="0"/>
+            <a:endParaRPr lang="en-US" sz="2400" dirty="0"/>
+          </a:p>
+          <a:p>
+            <a:endParaRPr lang="en-US" sz="2400" dirty="0"/>
           </a:p>
           <a:p>
             <a:pPr marL="0" indent="0">
               <a:buNone/>
             </a:pPr>
-            <a:r>
-              <a:rPr lang="en-US" sz="3000" dirty="0" smtClean="0"/>
-              <a:t>Page 45 #2-5, 29, 45, 65</a:t>
-            </a:r>
-            <a:endParaRPr lang="en-US" sz="3000" dirty="0"/>
-          </a:p>
-          <a:p>
-            <a:pPr marL="0" indent="0">
-              <a:buNone/>
-            </a:pPr>
-            <a:r>
-              <a:rPr lang="en-US" sz="3000" dirty="0" smtClean="0"/>
-              <a:t>Mixed Review</a:t>
-            </a:r>
-          </a:p>
-          <a:p>
-            <a:pPr marL="0" indent="0">
-              <a:buNone/>
-            </a:pPr>
-            <a:r>
-              <a:rPr lang="en-US" sz="3000" dirty="0" smtClean="0"/>
-              <a:t>Page 48 #96, 99</a:t>
-            </a:r>
-            <a:endParaRPr lang="en-US" sz="3000" dirty="0"/>
+            <a:endParaRPr lang="en-US" sz="2400" dirty="0" smtClean="0"/>
           </a:p>
         </p:txBody>
       </p:sp>
     </p:spTree>
     <p:extLst>
       <p:ext uri="{BB962C8B-B14F-4D97-AF65-F5344CB8AC3E}">
-        <p14:creationId xmlns:p14="http://schemas.microsoft.com/office/powerpoint/2010/main" val="3701921675"/>
+        <p14:creationId xmlns:p14="http://schemas.microsoft.com/office/powerpoint/2010/main" val="1500849055"/>
       </p:ext>
     </p:extLst>
   </p:cSld>
